--- a/Bullet.pptx
+++ b/Bullet.pptx
@@ -121,6 +121,11 @@
       </a:defRPr>
     </a:lvl9pPr>
   </p:defaultTextStyle>
+  <p:extLst>
+    <p:ext uri="{EFAFB233-063F-42B5-8137-9DF3F51BA10A}">
+      <p15:sldGuideLst xmlns:p15="http://schemas.microsoft.com/office/powerpoint/2012/main"/>
+    </p:ext>
+  </p:extLst>
 </p:presentation>
 </file>
 
@@ -255,7 +260,7 @@
           <a:p>
             <a:fld id="{D2247226-3C17-4008-A1E5-55EF6E7ED66D}" type="datetimeFigureOut">
               <a:rPr lang="es-VE" smtClean="0"/>
-              <a:t>20/10/2020</a:t>
+              <a:t>21/10/2020</a:t>
             </a:fld>
             <a:endParaRPr lang="es-VE"/>
           </a:p>
@@ -425,7 +430,7 @@
           <a:p>
             <a:fld id="{D2247226-3C17-4008-A1E5-55EF6E7ED66D}" type="datetimeFigureOut">
               <a:rPr lang="es-VE" smtClean="0"/>
-              <a:t>20/10/2020</a:t>
+              <a:t>21/10/2020</a:t>
             </a:fld>
             <a:endParaRPr lang="es-VE"/>
           </a:p>
@@ -605,7 +610,7 @@
           <a:p>
             <a:fld id="{D2247226-3C17-4008-A1E5-55EF6E7ED66D}" type="datetimeFigureOut">
               <a:rPr lang="es-VE" smtClean="0"/>
-              <a:t>20/10/2020</a:t>
+              <a:t>21/10/2020</a:t>
             </a:fld>
             <a:endParaRPr lang="es-VE"/>
           </a:p>
@@ -775,7 +780,7 @@
           <a:p>
             <a:fld id="{D2247226-3C17-4008-A1E5-55EF6E7ED66D}" type="datetimeFigureOut">
               <a:rPr lang="es-VE" smtClean="0"/>
-              <a:t>20/10/2020</a:t>
+              <a:t>21/10/2020</a:t>
             </a:fld>
             <a:endParaRPr lang="es-VE"/>
           </a:p>
@@ -1021,7 +1026,7 @@
           <a:p>
             <a:fld id="{D2247226-3C17-4008-A1E5-55EF6E7ED66D}" type="datetimeFigureOut">
               <a:rPr lang="es-VE" smtClean="0"/>
-              <a:t>20/10/2020</a:t>
+              <a:t>21/10/2020</a:t>
             </a:fld>
             <a:endParaRPr lang="es-VE"/>
           </a:p>
@@ -1253,7 +1258,7 @@
           <a:p>
             <a:fld id="{D2247226-3C17-4008-A1E5-55EF6E7ED66D}" type="datetimeFigureOut">
               <a:rPr lang="es-VE" smtClean="0"/>
-              <a:t>20/10/2020</a:t>
+              <a:t>21/10/2020</a:t>
             </a:fld>
             <a:endParaRPr lang="es-VE"/>
           </a:p>
@@ -1620,7 +1625,7 @@
           <a:p>
             <a:fld id="{D2247226-3C17-4008-A1E5-55EF6E7ED66D}" type="datetimeFigureOut">
               <a:rPr lang="es-VE" smtClean="0"/>
-              <a:t>20/10/2020</a:t>
+              <a:t>21/10/2020</a:t>
             </a:fld>
             <a:endParaRPr lang="es-VE"/>
           </a:p>
@@ -1738,7 +1743,7 @@
           <a:p>
             <a:fld id="{D2247226-3C17-4008-A1E5-55EF6E7ED66D}" type="datetimeFigureOut">
               <a:rPr lang="es-VE" smtClean="0"/>
-              <a:t>20/10/2020</a:t>
+              <a:t>21/10/2020</a:t>
             </a:fld>
             <a:endParaRPr lang="es-VE"/>
           </a:p>
@@ -1833,7 +1838,7 @@
           <a:p>
             <a:fld id="{D2247226-3C17-4008-A1E5-55EF6E7ED66D}" type="datetimeFigureOut">
               <a:rPr lang="es-VE" smtClean="0"/>
-              <a:t>20/10/2020</a:t>
+              <a:t>21/10/2020</a:t>
             </a:fld>
             <a:endParaRPr lang="es-VE"/>
           </a:p>
@@ -2110,7 +2115,7 @@
           <a:p>
             <a:fld id="{D2247226-3C17-4008-A1E5-55EF6E7ED66D}" type="datetimeFigureOut">
               <a:rPr lang="es-VE" smtClean="0"/>
-              <a:t>20/10/2020</a:t>
+              <a:t>21/10/2020</a:t>
             </a:fld>
             <a:endParaRPr lang="es-VE"/>
           </a:p>
@@ -2363,7 +2368,7 @@
           <a:p>
             <a:fld id="{D2247226-3C17-4008-A1E5-55EF6E7ED66D}" type="datetimeFigureOut">
               <a:rPr lang="es-VE" smtClean="0"/>
-              <a:t>20/10/2020</a:t>
+              <a:t>21/10/2020</a:t>
             </a:fld>
             <a:endParaRPr lang="es-VE"/>
           </a:p>
@@ -2576,7 +2581,7 @@
           <a:p>
             <a:fld id="{D2247226-3C17-4008-A1E5-55EF6E7ED66D}" type="datetimeFigureOut">
               <a:rPr lang="es-VE" smtClean="0"/>
-              <a:t>20/10/2020</a:t>
+              <a:t>21/10/2020</a:t>
             </a:fld>
             <a:endParaRPr lang="es-VE"/>
           </a:p>
@@ -3444,13 +3449,8 @@
           <a:p>
             <a:r>
               <a:rPr lang="es-VE" dirty="0" smtClean="0"/>
-              <a:t>Incluye gestión de reconciliaci</a:t>
-            </a:r>
-            <a:r>
-              <a:rPr lang="es-VE" dirty="0" smtClean="0"/>
-              <a:t>ones precedentes, permitiendo la visualización así como modificación de las reconciliaciones efectuadas de forma manual</a:t>
-            </a:r>
-            <a:endParaRPr lang="es-VE" dirty="0" smtClean="0"/>
+              <a:t>Incluye gestión de reconciliaciones precedentes, permitiendo la visualización así como modificación de las reconciliaciones efectuadas de forma manual</a:t>
+            </a:r>
           </a:p>
           <a:p>
             <a:r>
@@ -3578,12 +3578,12 @@
               <a:t>Permite el </a:t>
             </a:r>
             <a:r>
-              <a:rPr lang="es-VE" dirty="0" err="1" smtClean="0"/>
-              <a:t>envio</a:t>
-            </a:r>
-            <a:r>
               <a:rPr lang="es-VE" dirty="0" smtClean="0"/>
-              <a:t> y recepción de data maestra y transaccional</a:t>
+              <a:t>envió </a:t>
+            </a:r>
+            <a:r>
+              <a:rPr lang="es-VE" dirty="0" smtClean="0"/>
+              <a:t>y recepción de data maestra y transaccional</a:t>
             </a:r>
           </a:p>
           <a:p>
@@ -3783,14 +3783,39 @@
             </a:r>
             <a:r>
               <a:rPr lang="es-VE" dirty="0" smtClean="0"/>
-              <a:t> de Mensajes del Sistema</a:t>
-            </a:r>
-          </a:p>
-          <a:p>
+              <a:t> de </a:t>
+            </a:r>
             <a:r>
               <a:rPr lang="es-VE" dirty="0" smtClean="0"/>
-              <a:t>Barra de mensajes dinámica con múltiples estados</a:t>
-            </a:r>
+              <a:t>mensajes </a:t>
+            </a:r>
+            <a:r>
+              <a:rPr lang="es-VE" dirty="0" smtClean="0"/>
+              <a:t>del </a:t>
+            </a:r>
+            <a:r>
+              <a:rPr lang="es-VE" dirty="0" smtClean="0"/>
+              <a:t>s</a:t>
+            </a:r>
+            <a:r>
+              <a:rPr lang="es-VE" dirty="0" smtClean="0"/>
+              <a:t>istema con barra de estado dinámica </a:t>
+            </a:r>
+          </a:p>
+          <a:p>
+            <a:r>
+              <a:rPr lang="es-VE" dirty="0" smtClean="0"/>
+              <a:t>Búsqueda </a:t>
+            </a:r>
+            <a:r>
+              <a:rPr lang="es-VE" dirty="0" err="1" smtClean="0"/>
+              <a:t>intelligence</a:t>
+            </a:r>
+            <a:r>
+              <a:rPr lang="es-VE" dirty="0" smtClean="0"/>
+              <a:t> en formularios</a:t>
+            </a:r>
+            <a:endParaRPr lang="es-VE" dirty="0" smtClean="0"/>
           </a:p>
           <a:p>
             <a:r>
@@ -3799,7 +3824,19 @@
             </a:r>
             <a:r>
               <a:rPr lang="es-VE" dirty="0" smtClean="0"/>
-              <a:t> lateral descriptivo y validación de formularios en tiempo real </a:t>
+              <a:t> </a:t>
+            </a:r>
+            <a:r>
+              <a:rPr lang="es-VE" dirty="0" smtClean="0"/>
+              <a:t>lateral descriptivo y validación de </a:t>
+            </a:r>
+            <a:r>
+              <a:rPr lang="es-VE" dirty="0" smtClean="0"/>
+              <a:t>data </a:t>
+            </a:r>
+            <a:r>
+              <a:rPr lang="es-VE" dirty="0" smtClean="0"/>
+              <a:t>en tiempo real </a:t>
             </a:r>
           </a:p>
           <a:p>

--- a/Bullet.pptx
+++ b/Bullet.pptx
@@ -23,6 +23,8 @@
     <p:sldId id="275" r:id="rId17"/>
     <p:sldId id="266" r:id="rId18"/>
     <p:sldId id="267" r:id="rId19"/>
+    <p:sldId id="276" r:id="rId20"/>
+    <p:sldId id="277" r:id="rId21"/>
   </p:sldIdLst>
   <p:sldSz cx="12192000" cy="6858000"/>
   <p:notesSz cx="6858000" cy="9144000"/>
@@ -260,7 +262,7 @@
           <a:p>
             <a:fld id="{D2247226-3C17-4008-A1E5-55EF6E7ED66D}" type="datetimeFigureOut">
               <a:rPr lang="es-VE" smtClean="0"/>
-              <a:t>21/10/2020</a:t>
+              <a:t>22/10/2020</a:t>
             </a:fld>
             <a:endParaRPr lang="es-VE"/>
           </a:p>
@@ -430,7 +432,7 @@
           <a:p>
             <a:fld id="{D2247226-3C17-4008-A1E5-55EF6E7ED66D}" type="datetimeFigureOut">
               <a:rPr lang="es-VE" smtClean="0"/>
-              <a:t>21/10/2020</a:t>
+              <a:t>22/10/2020</a:t>
             </a:fld>
             <a:endParaRPr lang="es-VE"/>
           </a:p>
@@ -610,7 +612,7 @@
           <a:p>
             <a:fld id="{D2247226-3C17-4008-A1E5-55EF6E7ED66D}" type="datetimeFigureOut">
               <a:rPr lang="es-VE" smtClean="0"/>
-              <a:t>21/10/2020</a:t>
+              <a:t>22/10/2020</a:t>
             </a:fld>
             <a:endParaRPr lang="es-VE"/>
           </a:p>
@@ -780,7 +782,7 @@
           <a:p>
             <a:fld id="{D2247226-3C17-4008-A1E5-55EF6E7ED66D}" type="datetimeFigureOut">
               <a:rPr lang="es-VE" smtClean="0"/>
-              <a:t>21/10/2020</a:t>
+              <a:t>22/10/2020</a:t>
             </a:fld>
             <a:endParaRPr lang="es-VE"/>
           </a:p>
@@ -1026,7 +1028,7 @@
           <a:p>
             <a:fld id="{D2247226-3C17-4008-A1E5-55EF6E7ED66D}" type="datetimeFigureOut">
               <a:rPr lang="es-VE" smtClean="0"/>
-              <a:t>21/10/2020</a:t>
+              <a:t>22/10/2020</a:t>
             </a:fld>
             <a:endParaRPr lang="es-VE"/>
           </a:p>
@@ -1258,7 +1260,7 @@
           <a:p>
             <a:fld id="{D2247226-3C17-4008-A1E5-55EF6E7ED66D}" type="datetimeFigureOut">
               <a:rPr lang="es-VE" smtClean="0"/>
-              <a:t>21/10/2020</a:t>
+              <a:t>22/10/2020</a:t>
             </a:fld>
             <a:endParaRPr lang="es-VE"/>
           </a:p>
@@ -1625,7 +1627,7 @@
           <a:p>
             <a:fld id="{D2247226-3C17-4008-A1E5-55EF6E7ED66D}" type="datetimeFigureOut">
               <a:rPr lang="es-VE" smtClean="0"/>
-              <a:t>21/10/2020</a:t>
+              <a:t>22/10/2020</a:t>
             </a:fld>
             <a:endParaRPr lang="es-VE"/>
           </a:p>
@@ -1743,7 +1745,7 @@
           <a:p>
             <a:fld id="{D2247226-3C17-4008-A1E5-55EF6E7ED66D}" type="datetimeFigureOut">
               <a:rPr lang="es-VE" smtClean="0"/>
-              <a:t>21/10/2020</a:t>
+              <a:t>22/10/2020</a:t>
             </a:fld>
             <a:endParaRPr lang="es-VE"/>
           </a:p>
@@ -1838,7 +1840,7 @@
           <a:p>
             <a:fld id="{D2247226-3C17-4008-A1E5-55EF6E7ED66D}" type="datetimeFigureOut">
               <a:rPr lang="es-VE" smtClean="0"/>
-              <a:t>21/10/2020</a:t>
+              <a:t>22/10/2020</a:t>
             </a:fld>
             <a:endParaRPr lang="es-VE"/>
           </a:p>
@@ -2115,7 +2117,7 @@
           <a:p>
             <a:fld id="{D2247226-3C17-4008-A1E5-55EF6E7ED66D}" type="datetimeFigureOut">
               <a:rPr lang="es-VE" smtClean="0"/>
-              <a:t>21/10/2020</a:t>
+              <a:t>22/10/2020</a:t>
             </a:fld>
             <a:endParaRPr lang="es-VE"/>
           </a:p>
@@ -2368,7 +2370,7 @@
           <a:p>
             <a:fld id="{D2247226-3C17-4008-A1E5-55EF6E7ED66D}" type="datetimeFigureOut">
               <a:rPr lang="es-VE" smtClean="0"/>
-              <a:t>21/10/2020</a:t>
+              <a:t>22/10/2020</a:t>
             </a:fld>
             <a:endParaRPr lang="es-VE"/>
           </a:p>
@@ -2581,7 +2583,7 @@
           <a:p>
             <a:fld id="{D2247226-3C17-4008-A1E5-55EF6E7ED66D}" type="datetimeFigureOut">
               <a:rPr lang="es-VE" smtClean="0"/>
-              <a:t>21/10/2020</a:t>
+              <a:t>22/10/2020</a:t>
             </a:fld>
             <a:endParaRPr lang="es-VE"/>
           </a:p>
@@ -3575,15 +3577,7 @@
           <a:p>
             <a:r>
               <a:rPr lang="es-VE" dirty="0" smtClean="0"/>
-              <a:t>Permite el </a:t>
-            </a:r>
-            <a:r>
-              <a:rPr lang="es-VE" dirty="0" smtClean="0"/>
-              <a:t>envió </a:t>
-            </a:r>
-            <a:r>
-              <a:rPr lang="es-VE" dirty="0" smtClean="0"/>
-              <a:t>y recepción de data maestra y transaccional</a:t>
+              <a:t>Permite el envió y recepción de data maestra y transaccional</a:t>
             </a:r>
           </a:p>
           <a:p>
@@ -3599,6 +3593,67 @@
     <p:extLst>
       <p:ext uri="{BB962C8B-B14F-4D97-AF65-F5344CB8AC3E}">
         <p14:creationId xmlns:p14="http://schemas.microsoft.com/office/powerpoint/2010/main" val="429315118"/>
+      </p:ext>
+    </p:extLst>
+  </p:cSld>
+  <p:clrMapOvr>
+    <a:masterClrMapping/>
+  </p:clrMapOvr>
+</p:sld>
+</file>
+
+<file path=ppt/slides/slide19.xml><?xml version="1.0" encoding="utf-8"?>
+<p:sld xmlns:a="http://schemas.openxmlformats.org/drawingml/2006/main" xmlns:r="http://schemas.openxmlformats.org/officeDocument/2006/relationships" xmlns:p="http://schemas.openxmlformats.org/presentationml/2006/main">
+  <p:cSld>
+    <p:spTree>
+      <p:nvGrpSpPr>
+        <p:cNvPr id="1" name=""/>
+        <p:cNvGrpSpPr/>
+        <p:nvPr/>
+      </p:nvGrpSpPr>
+      <p:grpSpPr>
+        <a:xfrm>
+          <a:off x="0" y="0"/>
+          <a:ext cx="0" cy="0"/>
+          <a:chOff x="0" y="0"/>
+          <a:chExt cx="0" cy="0"/>
+        </a:xfrm>
+      </p:grpSpPr>
+      <p:sp>
+        <p:nvSpPr>
+          <p:cNvPr id="2" name="Title 1"/>
+          <p:cNvSpPr>
+            <a:spLocks noGrp="1"/>
+          </p:cNvSpPr>
+          <p:nvPr>
+            <p:ph type="ctrTitle"/>
+          </p:nvPr>
+        </p:nvSpPr>
+        <p:spPr>
+          <a:xfrm>
+            <a:off x="1524000" y="1214438"/>
+            <a:ext cx="9144000" cy="2387600"/>
+          </a:xfrm>
+        </p:spPr>
+        <p:txBody>
+          <a:bodyPr>
+            <a:normAutofit/>
+          </a:bodyPr>
+          <a:lstStyle/>
+          <a:p>
+            <a:pPr algn="l"/>
+            <a:r>
+              <a:rPr lang="es-VE" dirty="0" smtClean="0"/>
+              <a:t>Arquitectura cliente pesado - servidor</a:t>
+            </a:r>
+            <a:endParaRPr lang="es-VE" dirty="0"/>
+          </a:p>
+        </p:txBody>
+      </p:sp>
+    </p:spTree>
+    <p:extLst>
+      <p:ext uri="{BB962C8B-B14F-4D97-AF65-F5344CB8AC3E}">
+        <p14:creationId xmlns:p14="http://schemas.microsoft.com/office/powerpoint/2010/main" val="3784325990"/>
       </p:ext>
     </p:extLst>
   </p:cSld>
@@ -3677,6 +3732,67 @@
     <p:extLst>
       <p:ext uri="{BB962C8B-B14F-4D97-AF65-F5344CB8AC3E}">
         <p14:creationId xmlns:p14="http://schemas.microsoft.com/office/powerpoint/2010/main" val="4165952848"/>
+      </p:ext>
+    </p:extLst>
+  </p:cSld>
+  <p:clrMapOvr>
+    <a:masterClrMapping/>
+  </p:clrMapOvr>
+</p:sld>
+</file>
+
+<file path=ppt/slides/slide20.xml><?xml version="1.0" encoding="utf-8"?>
+<p:sld xmlns:a="http://schemas.openxmlformats.org/drawingml/2006/main" xmlns:r="http://schemas.openxmlformats.org/officeDocument/2006/relationships" xmlns:p="http://schemas.openxmlformats.org/presentationml/2006/main">
+  <p:cSld>
+    <p:spTree>
+      <p:nvGrpSpPr>
+        <p:cNvPr id="1" name=""/>
+        <p:cNvGrpSpPr/>
+        <p:nvPr/>
+      </p:nvGrpSpPr>
+      <p:grpSpPr>
+        <a:xfrm>
+          <a:off x="0" y="0"/>
+          <a:ext cx="0" cy="0"/>
+          <a:chOff x="0" y="0"/>
+          <a:chExt cx="0" cy="0"/>
+        </a:xfrm>
+      </p:grpSpPr>
+      <p:sp>
+        <p:nvSpPr>
+          <p:cNvPr id="2" name="Title 1"/>
+          <p:cNvSpPr>
+            <a:spLocks noGrp="1"/>
+          </p:cNvSpPr>
+          <p:nvPr>
+            <p:ph type="ctrTitle"/>
+          </p:nvPr>
+        </p:nvSpPr>
+        <p:spPr>
+          <a:xfrm>
+            <a:off x="1524000" y="1214437"/>
+            <a:ext cx="9144000" cy="4438218"/>
+          </a:xfrm>
+        </p:spPr>
+        <p:txBody>
+          <a:bodyPr>
+            <a:normAutofit/>
+          </a:bodyPr>
+          <a:lstStyle/>
+          <a:p>
+            <a:pPr algn="l"/>
+            <a:r>
+              <a:rPr lang="es-VE" dirty="0" smtClean="0"/>
+              <a:t>Desarrollado bajo la tecnología y herramientas mas estables y reconocidas en el mercado</a:t>
+            </a:r>
+            <a:endParaRPr lang="es-VE" dirty="0"/>
+          </a:p>
+        </p:txBody>
+      </p:sp>
+    </p:spTree>
+    <p:extLst>
+      <p:ext uri="{BB962C8B-B14F-4D97-AF65-F5344CB8AC3E}">
+        <p14:creationId xmlns:p14="http://schemas.microsoft.com/office/powerpoint/2010/main" val="2230692880"/>
       </p:ext>
     </p:extLst>
   </p:cSld>
@@ -3783,23 +3899,7 @@
             </a:r>
             <a:r>
               <a:rPr lang="es-VE" dirty="0" smtClean="0"/>
-              <a:t> de </a:t>
-            </a:r>
-            <a:r>
-              <a:rPr lang="es-VE" dirty="0" smtClean="0"/>
-              <a:t>mensajes </a:t>
-            </a:r>
-            <a:r>
-              <a:rPr lang="es-VE" dirty="0" smtClean="0"/>
-              <a:t>del </a:t>
-            </a:r>
-            <a:r>
-              <a:rPr lang="es-VE" dirty="0" smtClean="0"/>
-              <a:t>s</a:t>
-            </a:r>
-            <a:r>
-              <a:rPr lang="es-VE" dirty="0" smtClean="0"/>
-              <a:t>istema con barra de estado dinámica </a:t>
+              <a:t> de mensajes del sistema con barra de estado dinámica </a:t>
             </a:r>
           </a:p>
           <a:p>
@@ -3815,7 +3915,6 @@
               <a:rPr lang="es-VE" dirty="0" smtClean="0"/>
               <a:t> en formularios</a:t>
             </a:r>
-            <a:endParaRPr lang="es-VE" dirty="0" smtClean="0"/>
           </a:p>
           <a:p>
             <a:r>
@@ -3824,19 +3923,7 @@
             </a:r>
             <a:r>
               <a:rPr lang="es-VE" dirty="0" smtClean="0"/>
-              <a:t> </a:t>
-            </a:r>
-            <a:r>
-              <a:rPr lang="es-VE" dirty="0" smtClean="0"/>
-              <a:t>lateral descriptivo y validación de </a:t>
-            </a:r>
-            <a:r>
-              <a:rPr lang="es-VE" dirty="0" smtClean="0"/>
-              <a:t>data </a:t>
-            </a:r>
-            <a:r>
-              <a:rPr lang="es-VE" dirty="0" smtClean="0"/>
-              <a:t>en tiempo real </a:t>
+              <a:t> lateral descriptivo y validación de data en tiempo real </a:t>
             </a:r>
           </a:p>
           <a:p>
